--- a/Hackathon.pptx
+++ b/Hackathon.pptx
@@ -721,11 +721,11 @@
           <c:showPercent val="0"/>
           <c:showBubbleSize val="0"/>
         </c:dLbls>
-        <c:axId val="375234136"/>
-        <c:axId val="2135152"/>
+        <c:axId val="147664688"/>
+        <c:axId val="146245552"/>
       </c:scatterChart>
       <c:valAx>
-        <c:axId val="375234136"/>
+        <c:axId val="147664688"/>
         <c:scaling>
           <c:orientation val="minMax"/>
           <c:max val="0.66670000000000018"/>
@@ -840,13 +840,13 @@
             <a:endParaRPr lang="en-US"/>
           </a:p>
         </c:txPr>
-        <c:crossAx val="2135152"/>
+        <c:crossAx val="146245552"/>
         <c:crosses val="autoZero"/>
         <c:crossBetween val="midCat"/>
         <c:majorUnit val="4.166667000000001E-2"/>
       </c:valAx>
       <c:valAx>
-        <c:axId val="2135152"/>
+        <c:axId val="146245552"/>
         <c:scaling>
           <c:orientation val="minMax"/>
         </c:scaling>
@@ -959,7 +959,7 @@
             <a:endParaRPr lang="en-US"/>
           </a:p>
         </c:txPr>
-        <c:crossAx val="375234136"/>
+        <c:crossAx val="147664688"/>
         <c:crosses val="autoZero"/>
         <c:crossBetween val="midCat"/>
       </c:valAx>
@@ -6916,35 +6916,17 @@
                 </a:solidFill>
                 <a:latin typeface="Steagal Light"/>
               </a:rPr>
-              <a:t> </a:t>
-            </a:r>
-            <a:r>
-              <a:rPr lang="en-GB" sz="2400" dirty="0" smtClean="0">
-                <a:solidFill>
-                  <a:srgbClr val="858585"/>
-                </a:solidFill>
-                <a:latin typeface="Steagal Light"/>
-              </a:rPr>
-              <a:t> </a:t>
-            </a:r>
-            <a:r>
-              <a:rPr lang="en-GB" sz="2400" dirty="0" smtClean="0">
-                <a:solidFill>
-                  <a:srgbClr val="858585"/>
-                </a:solidFill>
-                <a:latin typeface="Steagal Light"/>
-              </a:rPr>
-              <a:t>Start </a:t>
-            </a:r>
-            <a:r>
-              <a:rPr lang="en-GB" sz="2400" dirty="0" smtClean="0">
-                <a:solidFill>
-                  <a:srgbClr val="858585"/>
-                </a:solidFill>
-                <a:latin typeface="Steagal Light"/>
-              </a:rPr>
-              <a:t>coding</a:t>
-            </a:r>
+              <a:t>  Start coding</a:t>
+            </a:r>
+          </a:p>
+          <a:p>
+            <a:pPr>
+              <a:lnSpc>
+                <a:spcPct val="90000"/>
+              </a:lnSpc>
+              <a:buFont typeface="Arial"/>
+              <a:buChar char="•"/>
+            </a:pPr>
             <a:endParaRPr lang="en-GB" sz="2400" dirty="0" smtClean="0">
               <a:solidFill>
                 <a:srgbClr val="858585"/>
@@ -6957,6 +6939,31 @@
               <a:lnSpc>
                 <a:spcPct val="90000"/>
               </a:lnSpc>
+            </a:pPr>
+            <a:r>
+              <a:rPr lang="en-GB" sz="2400" dirty="0">
+                <a:solidFill>
+                  <a:srgbClr val="858585"/>
+                </a:solidFill>
+                <a:latin typeface="Steagal Light"/>
+              </a:rPr>
+              <a:t> </a:t>
+            </a:r>
+            <a:r>
+              <a:rPr lang="en-GB" sz="2400" dirty="0" smtClean="0">
+                <a:solidFill>
+                  <a:srgbClr val="858585"/>
+                </a:solidFill>
+                <a:latin typeface="Steagal Light"/>
+              </a:rPr>
+              <a:t>2:30     Submit answers to coding challenges</a:t>
+            </a:r>
+          </a:p>
+          <a:p>
+            <a:pPr>
+              <a:lnSpc>
+                <a:spcPct val="90000"/>
+              </a:lnSpc>
               <a:buFont typeface="Arial"/>
               <a:buChar char="•"/>
             </a:pPr>
@@ -6989,8 +6996,17 @@
                 </a:solidFill>
                 <a:latin typeface="Steagal Light"/>
               </a:rPr>
-              <a:t>2:30     Submit answers to coding challenges</a:t>
-            </a:r>
+              <a:t>2:45     Email trading strategy code</a:t>
+            </a:r>
+          </a:p>
+          <a:p>
+            <a:pPr>
+              <a:lnSpc>
+                <a:spcPct val="90000"/>
+              </a:lnSpc>
+              <a:buFont typeface="Arial"/>
+              <a:buChar char="•"/>
+            </a:pPr>
             <a:endParaRPr lang="en-GB" sz="2400" dirty="0" smtClean="0">
               <a:solidFill>
                 <a:srgbClr val="858585"/>
@@ -7003,21 +7019,6 @@
               <a:lnSpc>
                 <a:spcPct val="90000"/>
               </a:lnSpc>
-              <a:buFont typeface="Arial"/>
-              <a:buChar char="•"/>
-            </a:pPr>
-            <a:endParaRPr lang="en-GB" sz="2400" dirty="0" smtClean="0">
-              <a:solidFill>
-                <a:srgbClr val="858585"/>
-              </a:solidFill>
-              <a:latin typeface="Steagal Light"/>
-            </a:endParaRPr>
-          </a:p>
-          <a:p>
-            <a:pPr>
-              <a:lnSpc>
-                <a:spcPct val="90000"/>
-              </a:lnSpc>
             </a:pPr>
             <a:r>
               <a:rPr lang="en-GB" sz="2400" dirty="0">
@@ -7035,78 +7036,8 @@
                 </a:solidFill>
                 <a:latin typeface="Steagal Light"/>
               </a:rPr>
-              <a:t>2:45     Email trading strategy code</a:t>
-            </a:r>
-            <a:endParaRPr lang="en-GB" sz="2400" dirty="0" smtClean="0">
-              <a:solidFill>
-                <a:srgbClr val="858585"/>
-              </a:solidFill>
-              <a:latin typeface="Steagal Light"/>
-            </a:endParaRPr>
-          </a:p>
-          <a:p>
-            <a:pPr>
-              <a:lnSpc>
-                <a:spcPct val="90000"/>
-              </a:lnSpc>
-              <a:buFont typeface="Arial"/>
-              <a:buChar char="•"/>
-            </a:pPr>
-            <a:endParaRPr lang="en-GB" sz="2400" dirty="0" smtClean="0">
-              <a:solidFill>
-                <a:srgbClr val="858585"/>
-              </a:solidFill>
-              <a:latin typeface="Steagal Light"/>
-            </a:endParaRPr>
-          </a:p>
-          <a:p>
-            <a:pPr>
-              <a:lnSpc>
-                <a:spcPct val="90000"/>
-              </a:lnSpc>
-            </a:pPr>
-            <a:r>
-              <a:rPr lang="en-GB" sz="2400" dirty="0">
-                <a:solidFill>
-                  <a:srgbClr val="858585"/>
-                </a:solidFill>
-                <a:latin typeface="Steagal Light"/>
-              </a:rPr>
-              <a:t> </a:t>
-            </a:r>
-            <a:r>
-              <a:rPr lang="en-GB" sz="2400" dirty="0" smtClean="0">
-                <a:solidFill>
-                  <a:srgbClr val="858585"/>
-                </a:solidFill>
-                <a:latin typeface="Steagal Light"/>
-              </a:rPr>
-              <a:t>3:00     Judging </a:t>
-            </a:r>
-            <a:r>
-              <a:rPr lang="en-GB" sz="2400" dirty="0" smtClean="0">
-                <a:solidFill>
-                  <a:srgbClr val="858585"/>
-                </a:solidFill>
-                <a:latin typeface="Steagal Light"/>
-              </a:rPr>
-              <a:t>and </a:t>
-            </a:r>
-            <a:r>
-              <a:rPr lang="en-GB" sz="2400" dirty="0" smtClean="0">
-                <a:solidFill>
-                  <a:srgbClr val="858585"/>
-                </a:solidFill>
-                <a:latin typeface="Steagal Light"/>
-              </a:rPr>
-              <a:t>prizes</a:t>
-            </a:r>
-            <a:endParaRPr lang="en-GB" sz="2400" dirty="0" smtClean="0">
-              <a:solidFill>
-                <a:srgbClr val="858585"/>
-              </a:solidFill>
-              <a:latin typeface="Steagal Light"/>
-            </a:endParaRPr>
+              <a:t>3:00     Judging and prizes</a:t>
+            </a:r>
           </a:p>
           <a:p>
             <a:pPr>
@@ -7275,6 +7206,41 @@
                 <a:hlinkClick r:id="rId2"/>
               </a:rPr>
               <a:t>tkelly@scottlogic.com</a:t>
+            </a:r>
+            <a:endParaRPr lang="en-US" sz="2800" dirty="0" smtClean="0">
+              <a:solidFill>
+                <a:srgbClr val="858585"/>
+              </a:solidFill>
+              <a:latin typeface="Steagal Light"/>
+            </a:endParaRPr>
+          </a:p>
+          <a:p>
+            <a:pPr>
+              <a:lnSpc>
+                <a:spcPct val="90000"/>
+              </a:lnSpc>
+            </a:pPr>
+            <a:endParaRPr lang="en-GB" sz="2800" dirty="0">
+              <a:solidFill>
+                <a:srgbClr val="858585"/>
+              </a:solidFill>
+              <a:latin typeface="Steagal Light"/>
+            </a:endParaRPr>
+          </a:p>
+          <a:p>
+            <a:pPr>
+              <a:lnSpc>
+                <a:spcPct val="90000"/>
+              </a:lnSpc>
+            </a:pPr>
+            <a:r>
+              <a:rPr lang="en-GB" sz="2800" dirty="0" smtClean="0">
+                <a:solidFill>
+                  <a:srgbClr val="858585"/>
+                </a:solidFill>
+                <a:latin typeface="Steagal Light"/>
+              </a:rPr>
+              <a:t>Please make sure to include your team name in the message.</a:t>
             </a:r>
             <a:endParaRPr lang="en-US" sz="2800" dirty="0" smtClean="0">
               <a:solidFill>
@@ -9807,7 +9773,25 @@
                 </a:solidFill>
                 <a:latin typeface="Steagal Light"/>
               </a:rPr>
-              <a:t>You can buy/sell stocks at the </a:t>
+              <a:t>You </a:t>
+            </a:r>
+            <a:r>
+              <a:rPr lang="en-GB" sz="2800" dirty="0" smtClean="0">
+                <a:solidFill>
+                  <a:srgbClr val="858585"/>
+                </a:solidFill>
+                <a:latin typeface="Steagal Light"/>
+              </a:rPr>
+              <a:t>will buy/sell </a:t>
+            </a:r>
+            <a:r>
+              <a:rPr lang="en-GB" sz="2800" dirty="0" smtClean="0">
+                <a:solidFill>
+                  <a:srgbClr val="858585"/>
+                </a:solidFill>
+                <a:latin typeface="Steagal Light"/>
+              </a:rPr>
+              <a:t>stocks at the </a:t>
             </a:r>
             <a:r>
               <a:rPr lang="en-GB" sz="2800" dirty="0" smtClean="0">
